--- a/database/slides/O_WHAT_A_WONDERFUL_DAY.pptx
+++ b/database/slides/O_WHAT_A_WONDERFUL_DAY.pptx
@@ -16024,7 +16024,13 @@
       </p:sp>
       <p:sp>
         <p:nvSpPr>
-          <p:cNvPr id="131" name="Google Shape;131;p25"/>
+          <p:cNvPr id="2" name="Google Shape;131;p25">
+            <a:extLst>
+              <a:ext uri="{FF2B5EF4-FFF2-40B4-BE49-F238E27FC236}">
+                <a16:creationId xmlns:a16="http://schemas.microsoft.com/office/drawing/2014/main" id="{36E90D7A-60DF-CE64-D682-CB500227918B}"/>
+              </a:ext>
+            </a:extLst>
+          </p:cNvPr>
           <p:cNvSpPr txBox="1"/>
           <p:nvPr/>
         </p:nvSpPr>
@@ -16047,11 +16053,19 @@
           </a:bodyPr>
           <a:lstStyle/>
           <a:p>
-            <a:pPr>
+            <a:pPr marL="0" lvl="0" indent="0" algn="l" rtl="0">
+              <a:spcBef>
+                <a:spcPts val="0"/>
+              </a:spcBef>
+              <a:spcAft>
+                <a:spcPts val="0"/>
+              </a:spcAft>
               <a:buClr>
                 <a:schemeClr val="lt1"/>
               </a:buClr>
               <a:buSzPts val="3200"/>
+              <a:buFont typeface="Arial"/>
+              <a:buNone/>
             </a:pPr>
             <a:r>
               <a:rPr lang="en-GB" sz="3600" b="1" i="1" dirty="0">
@@ -16065,7 +16079,7 @@
               </a:rPr>
               <a:t>contd..</a:t>
             </a:r>
-            <a:endParaRPr lang="en-GB" sz="3600" dirty="0">
+            <a:endParaRPr sz="3600" dirty="0">
               <a:latin typeface="Calibri"/>
               <a:ea typeface="Calibri"/>
               <a:cs typeface="Calibri"/>
@@ -16310,7 +16324,13 @@
       </p:sp>
       <p:sp>
         <p:nvSpPr>
-          <p:cNvPr id="131" name="Google Shape;131;p25"/>
+          <p:cNvPr id="2" name="Google Shape;131;p25">
+            <a:extLst>
+              <a:ext uri="{FF2B5EF4-FFF2-40B4-BE49-F238E27FC236}">
+                <a16:creationId xmlns:a16="http://schemas.microsoft.com/office/drawing/2014/main" id="{86184877-96B5-F644-1719-4EABBFF99FA9}"/>
+              </a:ext>
+            </a:extLst>
+          </p:cNvPr>
           <p:cNvSpPr txBox="1"/>
           <p:nvPr/>
         </p:nvSpPr>
@@ -16333,11 +16353,19 @@
           </a:bodyPr>
           <a:lstStyle/>
           <a:p>
-            <a:pPr>
+            <a:pPr marL="0" lvl="0" indent="0" algn="l" rtl="0">
+              <a:spcBef>
+                <a:spcPts val="0"/>
+              </a:spcBef>
+              <a:spcAft>
+                <a:spcPts val="0"/>
+              </a:spcAft>
               <a:buClr>
                 <a:schemeClr val="lt1"/>
               </a:buClr>
               <a:buSzPts val="3200"/>
+              <a:buFont typeface="Arial"/>
+              <a:buNone/>
             </a:pPr>
             <a:r>
               <a:rPr lang="en-GB" sz="3600" b="1" i="1" dirty="0">
@@ -16351,7 +16379,7 @@
               </a:rPr>
               <a:t>contd..</a:t>
             </a:r>
-            <a:endParaRPr lang="en-GB" sz="3600" dirty="0">
+            <a:endParaRPr sz="3600" dirty="0">
               <a:latin typeface="Calibri"/>
               <a:ea typeface="Calibri"/>
               <a:cs typeface="Calibri"/>
@@ -16671,7 +16699,13 @@
       </p:sp>
       <p:sp>
         <p:nvSpPr>
-          <p:cNvPr id="131" name="Google Shape;131;p25"/>
+          <p:cNvPr id="2" name="Google Shape;131;p25">
+            <a:extLst>
+              <a:ext uri="{FF2B5EF4-FFF2-40B4-BE49-F238E27FC236}">
+                <a16:creationId xmlns:a16="http://schemas.microsoft.com/office/drawing/2014/main" id="{1DA34C0E-A9F8-01E6-E5A8-31A357B80D5D}"/>
+              </a:ext>
+            </a:extLst>
+          </p:cNvPr>
           <p:cNvSpPr txBox="1"/>
           <p:nvPr/>
         </p:nvSpPr>
@@ -16694,13 +16728,33 @@
           </a:bodyPr>
           <a:lstStyle/>
           <a:p>
-            <a:pPr>
+            <a:pPr marL="0" lvl="0" indent="0" algn="l" rtl="0">
+              <a:spcBef>
+                <a:spcPts val="0"/>
+              </a:spcBef>
+              <a:spcAft>
+                <a:spcPts val="0"/>
+              </a:spcAft>
               <a:buClr>
                 <a:schemeClr val="lt1"/>
               </a:buClr>
               <a:buSzPts val="3200"/>
+              <a:buFont typeface="Arial"/>
+              <a:buNone/>
             </a:pPr>
-            <a:endParaRPr lang="en-GB" sz="3600" dirty="0">
+            <a:r>
+              <a:rPr lang="en-GB" sz="3600" b="1" i="1" dirty="0">
+                <a:solidFill>
+                  <a:srgbClr val="FFFF00"/>
+                </a:solidFill>
+                <a:latin typeface="Calibri"/>
+                <a:ea typeface="Calibri"/>
+                <a:cs typeface="Calibri"/>
+                <a:sym typeface="Calibri"/>
+              </a:rPr>
+              <a:t>contd..</a:t>
+            </a:r>
+            <a:endParaRPr sz="3600" dirty="0">
               <a:latin typeface="Calibri"/>
               <a:ea typeface="Calibri"/>
               <a:cs typeface="Calibri"/>
@@ -16940,58 +16994,6 @@
               </a:rPr>
               <a:t>Heaven came down and glory filled my soul.</a:t>
             </a:r>
-          </a:p>
-        </p:txBody>
-      </p:sp>
-      <p:sp>
-        <p:nvSpPr>
-          <p:cNvPr id="131" name="Google Shape;131;p25"/>
-          <p:cNvSpPr txBox="1"/>
-          <p:nvPr/>
-        </p:nvSpPr>
-        <p:spPr>
-          <a:xfrm>
-            <a:off x="7595050" y="6357300"/>
-            <a:ext cx="1548900" cy="500700"/>
-          </a:xfrm>
-          <a:prstGeom prst="rect">
-            <a:avLst/>
-          </a:prstGeom>
-          <a:noFill/>
-          <a:ln>
-            <a:noFill/>
-          </a:ln>
-        </p:spPr>
-        <p:txBody>
-          <a:bodyPr spcFirstLastPara="1" wrap="square" lIns="91425" tIns="91425" rIns="91425" bIns="91425" anchor="ctr" anchorCtr="0">
-            <a:noAutofit/>
-          </a:bodyPr>
-          <a:lstStyle/>
-          <a:p>
-            <a:pPr>
-              <a:buClr>
-                <a:schemeClr val="lt1"/>
-              </a:buClr>
-              <a:buSzPts val="3200"/>
-            </a:pPr>
-            <a:r>
-              <a:rPr lang="en-GB" sz="3600" b="1" i="1" dirty="0">
-                <a:solidFill>
-                  <a:srgbClr val="FFFF00"/>
-                </a:solidFill>
-                <a:latin typeface="Calibri"/>
-                <a:ea typeface="Calibri"/>
-                <a:cs typeface="Calibri"/>
-                <a:sym typeface="Calibri"/>
-              </a:rPr>
-              <a:t>contd..</a:t>
-            </a:r>
-            <a:endParaRPr lang="en-GB" sz="3600" dirty="0">
-              <a:latin typeface="Calibri"/>
-              <a:ea typeface="Calibri"/>
-              <a:cs typeface="Calibri"/>
-              <a:sym typeface="Calibri"/>
-            </a:endParaRPr>
           </a:p>
         </p:txBody>
       </p:sp>
